--- a/NEXT WORD PREDICTON.pptx
+++ b/NEXT WORD PREDICTON.pptx
@@ -9,13 +9,15 @@
     <p:sldId id="257" r:id="rId3"/>
     <p:sldId id="261" r:id="rId4"/>
     <p:sldId id="259" r:id="rId5"/>
-    <p:sldId id="264" r:id="rId6"/>
-    <p:sldId id="263" r:id="rId7"/>
-    <p:sldId id="267" r:id="rId8"/>
-    <p:sldId id="262" r:id="rId9"/>
-    <p:sldId id="266" r:id="rId10"/>
-    <p:sldId id="265" r:id="rId11"/>
-    <p:sldId id="260" r:id="rId12"/>
+    <p:sldId id="268" r:id="rId6"/>
+    <p:sldId id="264" r:id="rId7"/>
+    <p:sldId id="263" r:id="rId8"/>
+    <p:sldId id="267" r:id="rId9"/>
+    <p:sldId id="262" r:id="rId10"/>
+    <p:sldId id="266" r:id="rId11"/>
+    <p:sldId id="265" r:id="rId12"/>
+    <p:sldId id="269" r:id="rId13"/>
+    <p:sldId id="260" r:id="rId14"/>
   </p:sldIdLst>
   <p:sldSz cx="9144000" cy="6858000" type="screen4x3"/>
   <p:notesSz cx="6858000" cy="9144000"/>
@@ -325,7 +327,7 @@
             <a:fld id="{4ECE166A-4D34-4DA5-A4B6-D7846F69F445}" type="datetimeFigureOut">
               <a:rPr lang="en-US" smtClean="0"/>
               <a:pPr/>
-              <a:t>4/30/2021</a:t>
+              <a:t>6/8/2021</a:t>
             </a:fld>
             <a:endParaRPr lang="en-US"/>
           </a:p>
@@ -521,7 +523,7 @@
             <a:fld id="{4ECE166A-4D34-4DA5-A4B6-D7846F69F445}" type="datetimeFigureOut">
               <a:rPr lang="en-US" smtClean="0"/>
               <a:pPr/>
-              <a:t>4/30/2021</a:t>
+              <a:t>6/8/2021</a:t>
             </a:fld>
             <a:endParaRPr lang="en-US"/>
           </a:p>
@@ -711,7 +713,7 @@
             <a:fld id="{4ECE166A-4D34-4DA5-A4B6-D7846F69F445}" type="datetimeFigureOut">
               <a:rPr lang="en-US" smtClean="0"/>
               <a:pPr/>
-              <a:t>4/30/2021</a:t>
+              <a:t>6/8/2021</a:t>
             </a:fld>
             <a:endParaRPr lang="en-US"/>
           </a:p>
@@ -942,7 +944,7 @@
             <a:fld id="{4ECE166A-4D34-4DA5-A4B6-D7846F69F445}" type="datetimeFigureOut">
               <a:rPr lang="en-US" smtClean="0"/>
               <a:pPr/>
-              <a:t>4/30/2021</a:t>
+              <a:t>6/8/2021</a:t>
             </a:fld>
             <a:endParaRPr lang="en-US"/>
           </a:p>
@@ -1225,7 +1227,7 @@
             <a:fld id="{4ECE166A-4D34-4DA5-A4B6-D7846F69F445}" type="datetimeFigureOut">
               <a:rPr lang="en-US" smtClean="0"/>
               <a:pPr/>
-              <a:t>4/30/2021</a:t>
+              <a:t>6/8/2021</a:t>
             </a:fld>
             <a:endParaRPr lang="en-US"/>
           </a:p>
@@ -1515,7 +1517,7 @@
             <a:fld id="{4ECE166A-4D34-4DA5-A4B6-D7846F69F445}" type="datetimeFigureOut">
               <a:rPr lang="en-US" smtClean="0"/>
               <a:pPr/>
-              <a:t>4/30/2021</a:t>
+              <a:t>6/8/2021</a:t>
             </a:fld>
             <a:endParaRPr lang="en-US"/>
           </a:p>
@@ -2071,7 +2073,7 @@
             <a:fld id="{4ECE166A-4D34-4DA5-A4B6-D7846F69F445}" type="datetimeFigureOut">
               <a:rPr lang="en-US" smtClean="0"/>
               <a:pPr/>
-              <a:t>4/30/2021</a:t>
+              <a:t>6/8/2021</a:t>
             </a:fld>
             <a:endParaRPr lang="en-US"/>
           </a:p>
@@ -2204,7 +2206,7 @@
             <a:fld id="{4ECE166A-4D34-4DA5-A4B6-D7846F69F445}" type="datetimeFigureOut">
               <a:rPr lang="en-US" smtClean="0"/>
               <a:pPr/>
-              <a:t>4/30/2021</a:t>
+              <a:t>6/8/2021</a:t>
             </a:fld>
             <a:endParaRPr lang="en-US"/>
           </a:p>
@@ -2356,7 +2358,7 @@
             <a:fld id="{4ECE166A-4D34-4DA5-A4B6-D7846F69F445}" type="datetimeFigureOut">
               <a:rPr lang="en-US" smtClean="0"/>
               <a:pPr/>
-              <a:t>4/30/2021</a:t>
+              <a:t>6/8/2021</a:t>
             </a:fld>
             <a:endParaRPr lang="en-US"/>
           </a:p>
@@ -2679,7 +2681,7 @@
             <a:fld id="{4ECE166A-4D34-4DA5-A4B6-D7846F69F445}" type="datetimeFigureOut">
               <a:rPr lang="en-US" smtClean="0"/>
               <a:pPr/>
-              <a:t>4/30/2021</a:t>
+              <a:t>6/8/2021</a:t>
             </a:fld>
             <a:endParaRPr lang="en-US"/>
           </a:p>
@@ -2978,7 +2980,7 @@
             <a:fld id="{4ECE166A-4D34-4DA5-A4B6-D7846F69F445}" type="datetimeFigureOut">
               <a:rPr lang="en-US" smtClean="0"/>
               <a:pPr/>
-              <a:t>4/30/2021</a:t>
+              <a:t>6/8/2021</a:t>
             </a:fld>
             <a:endParaRPr lang="en-US"/>
           </a:p>
@@ -3225,7 +3227,7 @@
             <a:fld id="{4ECE166A-4D34-4DA5-A4B6-D7846F69F445}" type="datetimeFigureOut">
               <a:rPr lang="en-US" smtClean="0"/>
               <a:pPr/>
-              <a:t>4/30/2021</a:t>
+              <a:t>6/8/2021</a:t>
             </a:fld>
             <a:endParaRPr lang="en-US"/>
           </a:p>
@@ -3862,7 +3864,7 @@
       </p:grpSpPr>
       <p:sp>
         <p:nvSpPr>
-          <p:cNvPr id="5" name="Title 4"/>
+          <p:cNvPr id="2" name="Title 1"/>
           <p:cNvSpPr>
             <a:spLocks noGrp="1"/>
           </p:cNvSpPr>
@@ -3872,21 +3874,35 @@
         </p:nvSpPr>
         <p:spPr/>
         <p:txBody>
-          <a:bodyPr/>
+          <a:bodyPr>
+            <a:normAutofit/>
+          </a:bodyPr>
           <a:lstStyle/>
           <a:p>
-            <a:endParaRPr lang="en-US"/>
+            <a:r>
+              <a:rPr lang="en-US" sz="2000" dirty="0" smtClean="0"/>
+              <a:t>These are the images in dataset and it has highlighted 2 words such that if 1</a:t>
+            </a:r>
+            <a:r>
+              <a:rPr lang="en-US" sz="2000" baseline="30000" dirty="0" smtClean="0"/>
+              <a:t>st</a:t>
+            </a:r>
+            <a:r>
+              <a:rPr lang="en-US" sz="2000" dirty="0" smtClean="0"/>
+              <a:t> word is input next word would be output</a:t>
+            </a:r>
+            <a:endParaRPr lang="en-US" sz="2000" dirty="0"/>
           </a:p>
         </p:txBody>
       </p:sp>
       <p:pic>
         <p:nvPicPr>
-          <p:cNvPr id="7" name="Content Placeholder 6" descr="Screenshot (288).png"/>
+          <p:cNvPr id="5" name="Content Placeholder 4" descr="Screenshot (284).png"/>
           <p:cNvPicPr>
             <a:picLocks noGrp="1" noChangeAspect="1"/>
           </p:cNvPicPr>
           <p:nvPr>
-            <p:ph idx="1"/>
+            <p:ph sz="half" idx="1"/>
           </p:nvPr>
         </p:nvPicPr>
         <p:blipFill>
@@ -3897,8 +3913,31 @@
         </p:blipFill>
         <p:spPr>
           <a:xfrm>
-            <a:off x="548922" y="1646238"/>
-            <a:ext cx="8046155" cy="4525962"/>
+            <a:off x="457200" y="2571744"/>
+            <a:ext cx="4038600" cy="1951548"/>
+          </a:xfrm>
+        </p:spPr>
+      </p:pic>
+      <p:pic>
+        <p:nvPicPr>
+          <p:cNvPr id="6" name="Content Placeholder 5" descr="Screenshot (286).png"/>
+          <p:cNvPicPr>
+            <a:picLocks noGrp="1" noChangeAspect="1"/>
+          </p:cNvPicPr>
+          <p:nvPr>
+            <p:ph sz="half" idx="2"/>
+          </p:nvPr>
+        </p:nvPicPr>
+        <p:blipFill>
+          <a:blip r:embed="rId3"/>
+          <a:stretch>
+            <a:fillRect/>
+          </a:stretch>
+        </p:blipFill>
+        <p:spPr>
+          <a:xfrm>
+            <a:off x="4648200" y="2571744"/>
+            <a:ext cx="4038600" cy="2049499"/>
           </a:xfrm>
         </p:spPr>
       </p:pic>
@@ -3929,6 +3968,156 @@
       </p:grpSpPr>
       <p:sp>
         <p:nvSpPr>
+          <p:cNvPr id="5" name="Title 4"/>
+          <p:cNvSpPr>
+            <a:spLocks noGrp="1"/>
+          </p:cNvSpPr>
+          <p:nvPr>
+            <p:ph type="title"/>
+          </p:nvPr>
+        </p:nvSpPr>
+        <p:spPr/>
+        <p:txBody>
+          <a:bodyPr>
+            <a:normAutofit/>
+          </a:bodyPr>
+          <a:lstStyle/>
+          <a:p>
+            <a:r>
+              <a:rPr lang="en-US" sz="2000" dirty="0" smtClean="0"/>
+              <a:t>These are the results predicted be the Next Word Predictor of above given words of dataset.</a:t>
+            </a:r>
+            <a:endParaRPr lang="en-US" sz="2000" dirty="0"/>
+          </a:p>
+        </p:txBody>
+      </p:sp>
+      <p:pic>
+        <p:nvPicPr>
+          <p:cNvPr id="7" name="Content Placeholder 6" descr="Screenshot (288).png"/>
+          <p:cNvPicPr>
+            <a:picLocks noGrp="1" noChangeAspect="1"/>
+          </p:cNvPicPr>
+          <p:nvPr>
+            <p:ph idx="1"/>
+          </p:nvPr>
+        </p:nvPicPr>
+        <p:blipFill>
+          <a:blip r:embed="rId2"/>
+          <a:stretch>
+            <a:fillRect/>
+          </a:stretch>
+        </p:blipFill>
+        <p:spPr>
+          <a:xfrm>
+            <a:off x="548922" y="1646238"/>
+            <a:ext cx="8046155" cy="4525962"/>
+          </a:xfrm>
+        </p:spPr>
+      </p:pic>
+    </p:spTree>
+  </p:cSld>
+  <p:clrMapOvr>
+    <a:masterClrMapping/>
+  </p:clrMapOvr>
+</p:sld>
+</file>
+
+<file path=ppt/slides/slide12.xml><?xml version="1.0" encoding="utf-8"?>
+<p:sld xmlns:a="http://schemas.openxmlformats.org/drawingml/2006/main" xmlns:r="http://schemas.openxmlformats.org/officeDocument/2006/relationships" xmlns:p="http://schemas.openxmlformats.org/presentationml/2006/main">
+  <p:cSld>
+    <p:spTree>
+      <p:nvGrpSpPr>
+        <p:cNvPr id="1" name=""/>
+        <p:cNvGrpSpPr/>
+        <p:nvPr/>
+      </p:nvGrpSpPr>
+      <p:grpSpPr>
+        <a:xfrm>
+          <a:off x="0" y="0"/>
+          <a:ext cx="0" cy="0"/>
+          <a:chOff x="0" y="0"/>
+          <a:chExt cx="0" cy="0"/>
+        </a:xfrm>
+      </p:grpSpPr>
+      <p:sp>
+        <p:nvSpPr>
+          <p:cNvPr id="2" name="Title 1"/>
+          <p:cNvSpPr>
+            <a:spLocks noGrp="1"/>
+          </p:cNvSpPr>
+          <p:nvPr>
+            <p:ph type="title"/>
+          </p:nvPr>
+        </p:nvSpPr>
+        <p:spPr/>
+        <p:txBody>
+          <a:bodyPr/>
+          <a:lstStyle/>
+          <a:p>
+            <a:r>
+              <a:rPr lang="en-US" dirty="0" err="1" smtClean="0"/>
+              <a:t>Github</a:t>
+            </a:r>
+            <a:r>
+              <a:rPr lang="en-US" dirty="0" smtClean="0"/>
+              <a:t> Link :</a:t>
+            </a:r>
+            <a:endParaRPr lang="en-US" dirty="0"/>
+          </a:p>
+        </p:txBody>
+      </p:sp>
+      <p:sp>
+        <p:nvSpPr>
+          <p:cNvPr id="3" name="Content Placeholder 2"/>
+          <p:cNvSpPr>
+            <a:spLocks noGrp="1"/>
+          </p:cNvSpPr>
+          <p:nvPr>
+            <p:ph idx="1"/>
+          </p:nvPr>
+        </p:nvSpPr>
+        <p:spPr/>
+        <p:txBody>
+          <a:bodyPr/>
+          <a:lstStyle/>
+          <a:p>
+            <a:r>
+              <a:rPr lang="en-US" dirty="0" smtClean="0">
+                <a:hlinkClick r:id="rId2"/>
+              </a:rPr>
+              <a:t>https://github.com/Nirmal235/Next-word-Prediction</a:t>
+            </a:r>
+            <a:endParaRPr lang="en-US" dirty="0"/>
+          </a:p>
+        </p:txBody>
+      </p:sp>
+    </p:spTree>
+  </p:cSld>
+  <p:clrMapOvr>
+    <a:masterClrMapping/>
+  </p:clrMapOvr>
+</p:sld>
+</file>
+
+<file path=ppt/slides/slide13.xml><?xml version="1.0" encoding="utf-8"?>
+<p:sld xmlns:a="http://schemas.openxmlformats.org/drawingml/2006/main" xmlns:r="http://schemas.openxmlformats.org/officeDocument/2006/relationships" xmlns:p="http://schemas.openxmlformats.org/presentationml/2006/main">
+  <p:cSld>
+    <p:spTree>
+      <p:nvGrpSpPr>
+        <p:cNvPr id="1" name=""/>
+        <p:cNvGrpSpPr/>
+        <p:nvPr/>
+      </p:nvGrpSpPr>
+      <p:grpSpPr>
+        <a:xfrm>
+          <a:off x="0" y="0"/>
+          <a:ext cx="0" cy="0"/>
+          <a:chOff x="0" y="0"/>
+          <a:chExt cx="0" cy="0"/>
+        </a:xfrm>
+      </p:grpSpPr>
+      <p:sp>
+        <p:nvSpPr>
           <p:cNvPr id="2" name="Title 1"/>
           <p:cNvSpPr>
             <a:spLocks noGrp="1"/>
@@ -4156,7 +4345,15 @@
           <a:p>
             <a:r>
               <a:rPr lang="en-US" dirty="0" smtClean="0"/>
-              <a:t>Given any input word and text file, predict the next n words that can occur after the input word in the text file.</a:t>
+              <a:t>Given any input word and text file, predict the next </a:t>
+            </a:r>
+            <a:r>
+              <a:rPr lang="en-US" dirty="0" smtClean="0"/>
+              <a:t> word </a:t>
+            </a:r>
+            <a:r>
+              <a:rPr lang="en-US" dirty="0" smtClean="0"/>
+              <a:t>that can occur after the input word in the text file.</a:t>
             </a:r>
             <a:endParaRPr lang="en-US" dirty="0"/>
           </a:p>
@@ -4278,12 +4475,14 @@
         </p:nvSpPr>
         <p:spPr/>
         <p:txBody>
-          <a:bodyPr/>
+          <a:bodyPr>
+            <a:normAutofit fontScale="90000"/>
+          </a:bodyPr>
           <a:lstStyle/>
           <a:p>
             <a:r>
               <a:rPr lang="en-US" dirty="0" smtClean="0"/>
-              <a:t>Methodology Used:</a:t>
+              <a:t>Methodologies That Can Be Used:</a:t>
             </a:r>
             <a:endParaRPr lang="en-US" dirty="0"/>
           </a:p>
@@ -4301,46 +4500,50 @@
         </p:nvSpPr>
         <p:spPr/>
         <p:txBody>
-          <a:bodyPr/>
+          <a:bodyPr>
+            <a:normAutofit lnSpcReduction="10000"/>
+          </a:bodyPr>
           <a:lstStyle/>
           <a:p>
             <a:r>
               <a:rPr lang="en-US" dirty="0" smtClean="0"/>
-              <a:t>Step 1 :- Importing important libraries such as </a:t>
+              <a:t>Next Word Prediction can be done by 2 approaches : 1. Using LSTM Model  2. Using N-gram Model.</a:t>
+            </a:r>
+          </a:p>
+          <a:p>
+            <a:r>
+              <a:rPr lang="en-US" dirty="0" smtClean="0"/>
+              <a:t> N-gram model is based on </a:t>
             </a:r>
             <a:r>
               <a:rPr lang="en-US" dirty="0" err="1" smtClean="0"/>
-              <a:t>numpy</a:t>
+              <a:t>probablity</a:t>
             </a:r>
             <a:r>
               <a:rPr lang="en-US" dirty="0" smtClean="0"/>
-              <a:t> , </a:t>
+              <a:t> </a:t>
             </a:r>
             <a:r>
               <a:rPr lang="en-US" dirty="0" err="1" smtClean="0"/>
-              <a:t>keras</a:t>
+              <a:t>i.e</a:t>
             </a:r>
             <a:r>
               <a:rPr lang="en-US" dirty="0" smtClean="0"/>
-              <a:t>.</a:t>
-            </a:r>
-          </a:p>
-          <a:p>
+              <a:t> What is the </a:t>
+            </a:r>
+            <a:r>
+              <a:rPr lang="en-US" dirty="0" err="1" smtClean="0"/>
+              <a:t>probablity</a:t>
+            </a:r>
             <a:r>
               <a:rPr lang="en-US" dirty="0" smtClean="0"/>
-              <a:t>Step 2 :- Cleaning the Data like removing punctuations  etc.</a:t>
+              <a:t> of next word given previous word.</a:t>
             </a:r>
           </a:p>
           <a:p>
             <a:r>
               <a:rPr lang="en-US" dirty="0" smtClean="0"/>
-              <a:t>Step 3 :- Converting words into numbers using Tokenization.</a:t>
-            </a:r>
-          </a:p>
-          <a:p>
-            <a:r>
-              <a:rPr lang="en-US" dirty="0" smtClean="0"/>
-              <a:t>Step 4 :- Create sequences of words to fit the model with 1 word as input and 1 word as output.</a:t>
+              <a:t>From various research paper it was concluded that LSTM model gave better accuracy then N-gram model. Hence we have used LSTM model.                                        </a:t>
             </a:r>
             <a:endParaRPr lang="en-US" dirty="0"/>
           </a:p>
@@ -4386,33 +4589,71 @@
           <a:bodyPr/>
           <a:lstStyle/>
           <a:p>
-            <a:endParaRPr lang="en-US"/>
-          </a:p>
-        </p:txBody>
-      </p:sp>
-      <p:pic>
-        <p:nvPicPr>
-          <p:cNvPr id="6" name="Content Placeholder 5" descr="Screenshot (290).png"/>
-          <p:cNvPicPr>
-            <a:picLocks noGrp="1" noChangeAspect="1"/>
-          </p:cNvPicPr>
+            <a:r>
+              <a:rPr lang="en-US" dirty="0" smtClean="0"/>
+              <a:t>Methodology Used:</a:t>
+            </a:r>
+            <a:endParaRPr lang="en-US" dirty="0"/>
+          </a:p>
+        </p:txBody>
+      </p:sp>
+      <p:sp>
+        <p:nvSpPr>
+          <p:cNvPr id="3" name="Content Placeholder 2"/>
+          <p:cNvSpPr>
+            <a:spLocks noGrp="1"/>
+          </p:cNvSpPr>
           <p:nvPr>
             <p:ph idx="1"/>
           </p:nvPr>
-        </p:nvPicPr>
-        <p:blipFill>
-          <a:blip r:embed="rId2"/>
-          <a:stretch>
-            <a:fillRect/>
-          </a:stretch>
-        </p:blipFill>
-        <p:spPr>
-          <a:xfrm>
-            <a:off x="457200" y="1939687"/>
-            <a:ext cx="8229600" cy="3939064"/>
-          </a:xfrm>
-        </p:spPr>
-      </p:pic>
+        </p:nvSpPr>
+        <p:spPr/>
+        <p:txBody>
+          <a:bodyPr/>
+          <a:lstStyle/>
+          <a:p>
+            <a:r>
+              <a:rPr lang="en-US" dirty="0" smtClean="0"/>
+              <a:t>Step 1 :- Importing important libraries such as </a:t>
+            </a:r>
+            <a:r>
+              <a:rPr lang="en-US" dirty="0" err="1" smtClean="0"/>
+              <a:t>numpy</a:t>
+            </a:r>
+            <a:r>
+              <a:rPr lang="en-US" dirty="0" smtClean="0"/>
+              <a:t> , </a:t>
+            </a:r>
+            <a:r>
+              <a:rPr lang="en-US" dirty="0" err="1" smtClean="0"/>
+              <a:t>keras</a:t>
+            </a:r>
+            <a:r>
+              <a:rPr lang="en-US" dirty="0" smtClean="0"/>
+              <a:t>.</a:t>
+            </a:r>
+          </a:p>
+          <a:p>
+            <a:r>
+              <a:rPr lang="en-US" dirty="0" smtClean="0"/>
+              <a:t>Step 2 :- Cleaning the Data like removing punctuations  etc.</a:t>
+            </a:r>
+          </a:p>
+          <a:p>
+            <a:r>
+              <a:rPr lang="en-US" dirty="0" smtClean="0"/>
+              <a:t>Step 3 :- Converting words into numbers using Tokenization.</a:t>
+            </a:r>
+          </a:p>
+          <a:p>
+            <a:r>
+              <a:rPr lang="en-US" dirty="0" smtClean="0"/>
+              <a:t>Step 4 :- Create sequences of words to fit the model with 1 word as input and 1 word as output.</a:t>
+            </a:r>
+            <a:endParaRPr lang="en-US" dirty="0"/>
+          </a:p>
+        </p:txBody>
+      </p:sp>
     </p:spTree>
   </p:cSld>
   <p:clrMapOvr>
@@ -4440,7 +4681,7 @@
       </p:grpSpPr>
       <p:sp>
         <p:nvSpPr>
-          <p:cNvPr id="5" name="Title 4"/>
+          <p:cNvPr id="2" name="Title 1"/>
           <p:cNvSpPr>
             <a:spLocks noGrp="1"/>
           </p:cNvSpPr>
@@ -4457,71 +4698,29 @@
           </a:p>
         </p:txBody>
       </p:sp>
-      <p:sp>
-        <p:nvSpPr>
-          <p:cNvPr id="3" name="Content Placeholder 2"/>
-          <p:cNvSpPr>
-            <a:spLocks noGrp="1"/>
-          </p:cNvSpPr>
+      <p:pic>
+        <p:nvPicPr>
+          <p:cNvPr id="6" name="Content Placeholder 5" descr="Screenshot (290).png"/>
+          <p:cNvPicPr>
+            <a:picLocks noGrp="1" noChangeAspect="1"/>
+          </p:cNvPicPr>
           <p:nvPr>
             <p:ph idx="1"/>
           </p:nvPr>
-        </p:nvSpPr>
-        <p:spPr/>
-        <p:txBody>
-          <a:bodyPr>
-            <a:normAutofit lnSpcReduction="10000"/>
-          </a:bodyPr>
-          <a:lstStyle/>
-          <a:p>
-            <a:r>
-              <a:rPr lang="en-US" dirty="0" smtClean="0"/>
-              <a:t>Step 5 :- Creating two elements X(input) and Y(output) and applying one hot encoding on output.</a:t>
-            </a:r>
-          </a:p>
-          <a:p>
-            <a:r>
-              <a:rPr lang="en-US" dirty="0" smtClean="0"/>
-              <a:t>Step 6 :- Creating LSTM model </a:t>
-            </a:r>
-            <a:endParaRPr lang="en-US" dirty="0" smtClean="0"/>
-          </a:p>
-          <a:p>
-            <a:r>
-              <a:rPr lang="en-US" dirty="0" smtClean="0"/>
-              <a:t>Step 7 :- Compiling the model</a:t>
-            </a:r>
-          </a:p>
-          <a:p>
-            <a:r>
-              <a:rPr lang="en-US" dirty="0" smtClean="0"/>
-              <a:t>Step 8 :- Fitting the model and running 150 epochs for maximum accuracy.</a:t>
-            </a:r>
-          </a:p>
-          <a:p>
-            <a:r>
-              <a:rPr lang="en-US" dirty="0" smtClean="0"/>
-              <a:t>Step 9 :- Loading the model and </a:t>
-            </a:r>
-            <a:r>
-              <a:rPr lang="en-US" dirty="0" err="1" smtClean="0"/>
-              <a:t>tokenizer</a:t>
-            </a:r>
-            <a:r>
-              <a:rPr lang="en-US" dirty="0" smtClean="0"/>
-              <a:t> </a:t>
-            </a:r>
-            <a:r>
-              <a:rPr lang="en-US" dirty="0" smtClean="0"/>
-              <a:t>and finally predict the next word.</a:t>
-            </a:r>
-            <a:endParaRPr lang="en-US" dirty="0" smtClean="0"/>
-          </a:p>
-          <a:p>
-            <a:endParaRPr lang="en-US" dirty="0"/>
-          </a:p>
-        </p:txBody>
-      </p:sp>
+        </p:nvPicPr>
+        <p:blipFill>
+          <a:blip r:embed="rId2"/>
+          <a:stretch>
+            <a:fillRect/>
+          </a:stretch>
+        </p:blipFill>
+        <p:spPr>
+          <a:xfrm>
+            <a:off x="457200" y="1939687"/>
+            <a:ext cx="8229600" cy="3939064"/>
+          </a:xfrm>
+        </p:spPr>
+      </p:pic>
     </p:spTree>
   </p:cSld>
   <p:clrMapOvr>
@@ -4549,7 +4748,7 @@
       </p:grpSpPr>
       <p:sp>
         <p:nvSpPr>
-          <p:cNvPr id="2" name="Title 1"/>
+          <p:cNvPr id="5" name="Title 4"/>
           <p:cNvSpPr>
             <a:spLocks noGrp="1"/>
           </p:cNvSpPr>
@@ -4562,60 +4761,69 @@
           <a:bodyPr/>
           <a:lstStyle/>
           <a:p>
+            <a:endParaRPr lang="en-US"/>
+          </a:p>
+        </p:txBody>
+      </p:sp>
+      <p:sp>
+        <p:nvSpPr>
+          <p:cNvPr id="3" name="Content Placeholder 2"/>
+          <p:cNvSpPr>
+            <a:spLocks noGrp="1"/>
+          </p:cNvSpPr>
+          <p:nvPr>
+            <p:ph idx="1"/>
+          </p:nvPr>
+        </p:nvSpPr>
+        <p:spPr/>
+        <p:txBody>
+          <a:bodyPr>
+            <a:normAutofit lnSpcReduction="10000"/>
+          </a:bodyPr>
+          <a:lstStyle/>
+          <a:p>
             <a:r>
               <a:rPr lang="en-US" dirty="0" smtClean="0"/>
-              <a:t>Results</a:t>
-            </a:r>
+              <a:t>Step 5 :- Creating two elements X(input) and Y(output) and applying one hot encoding on output.</a:t>
+            </a:r>
+          </a:p>
+          <a:p>
+            <a:r>
+              <a:rPr lang="en-US" dirty="0" smtClean="0"/>
+              <a:t>Step 6 :- Creating LSTM model </a:t>
+            </a:r>
+          </a:p>
+          <a:p>
+            <a:r>
+              <a:rPr lang="en-US" dirty="0" smtClean="0"/>
+              <a:t>Step 7 :- Compiling the model</a:t>
+            </a:r>
+          </a:p>
+          <a:p>
+            <a:r>
+              <a:rPr lang="en-US" dirty="0" smtClean="0"/>
+              <a:t>Step 8 :- Fitting the model and running 150 epochs for maximum accuracy.</a:t>
+            </a:r>
+          </a:p>
+          <a:p>
+            <a:r>
+              <a:rPr lang="en-US" dirty="0" smtClean="0"/>
+              <a:t>Step 9 :- Loading the model and </a:t>
+            </a:r>
+            <a:r>
+              <a:rPr lang="en-US" dirty="0" err="1" smtClean="0"/>
+              <a:t>tokenizer</a:t>
+            </a:r>
+            <a:r>
+              <a:rPr lang="en-US" dirty="0" smtClean="0"/>
+              <a:t> and finally predict the next word.</a:t>
+            </a:r>
+          </a:p>
+          <a:p>
             <a:endParaRPr lang="en-US" dirty="0"/>
           </a:p>
         </p:txBody>
       </p:sp>
-      <p:pic>
-        <p:nvPicPr>
-          <p:cNvPr id="10" name="Content Placeholder 9" descr="Screenshot (279).png"/>
-          <p:cNvPicPr>
-            <a:picLocks noGrp="1" noChangeAspect="1"/>
-          </p:cNvPicPr>
-          <p:nvPr>
-            <p:ph sz="half" idx="1"/>
-          </p:nvPr>
-        </p:nvPicPr>
-        <p:blipFill>
-          <a:blip r:embed="rId2"/>
-          <a:stretch>
-            <a:fillRect/>
-          </a:stretch>
-        </p:blipFill>
-        <p:spPr>
-          <a:xfrm>
-            <a:off x="357158" y="2285992"/>
-            <a:ext cx="4138642" cy="2571768"/>
-          </a:xfrm>
-        </p:spPr>
-      </p:pic>
-      <p:pic>
-        <p:nvPicPr>
-          <p:cNvPr id="12" name="Content Placeholder 11" descr="Screenshot (280).png"/>
-          <p:cNvPicPr>
-            <a:picLocks noGrp="1" noChangeAspect="1"/>
-          </p:cNvPicPr>
-          <p:nvPr>
-            <p:ph sz="half" idx="2"/>
-          </p:nvPr>
-        </p:nvPicPr>
-        <p:blipFill>
-          <a:blip r:embed="rId3"/>
-          <a:stretch>
-            <a:fillRect/>
-          </a:stretch>
-        </p:blipFill>
-        <p:spPr>
-          <a:xfrm>
-            <a:off x="4648200" y="2285992"/>
-            <a:ext cx="4038600" cy="2563299"/>
-          </a:xfrm>
-        </p:spPr>
-      </p:pic>
     </p:spTree>
   </p:cSld>
   <p:clrMapOvr>
@@ -4656,13 +4864,17 @@
           <a:bodyPr/>
           <a:lstStyle/>
           <a:p>
-            <a:endParaRPr lang="en-US"/>
+            <a:r>
+              <a:rPr lang="en-US" dirty="0" smtClean="0"/>
+              <a:t>Results</a:t>
+            </a:r>
+            <a:endParaRPr lang="en-US" dirty="0"/>
           </a:p>
         </p:txBody>
       </p:sp>
       <p:pic>
         <p:nvPicPr>
-          <p:cNvPr id="5" name="Content Placeholder 4" descr="Screenshot (284).png"/>
+          <p:cNvPr id="10" name="Content Placeholder 9" descr="Screenshot (279).png"/>
           <p:cNvPicPr>
             <a:picLocks noGrp="1" noChangeAspect="1"/>
           </p:cNvPicPr>
@@ -4678,14 +4890,14 @@
         </p:blipFill>
         <p:spPr>
           <a:xfrm>
-            <a:off x="457200" y="2571744"/>
-            <a:ext cx="4038600" cy="1951548"/>
+            <a:off x="357158" y="2285992"/>
+            <a:ext cx="4138642" cy="2571768"/>
           </a:xfrm>
         </p:spPr>
       </p:pic>
       <p:pic>
         <p:nvPicPr>
-          <p:cNvPr id="6" name="Content Placeholder 5" descr="Screenshot (286).png"/>
+          <p:cNvPr id="12" name="Content Placeholder 11" descr="Screenshot (280).png"/>
           <p:cNvPicPr>
             <a:picLocks noGrp="1" noChangeAspect="1"/>
           </p:cNvPicPr>
@@ -4701,8 +4913,8 @@
         </p:blipFill>
         <p:spPr>
           <a:xfrm>
-            <a:off x="4648200" y="2571744"/>
-            <a:ext cx="4038600" cy="2049499"/>
+            <a:off x="4648200" y="2285992"/>
+            <a:ext cx="4038600" cy="2563299"/>
           </a:xfrm>
         </p:spPr>
       </p:pic>
